--- a/slides.pptx
+++ b/slides.pptx
@@ -6,9 +6,12 @@
   </p:sldMasterIdLst>
   <p:sldIdLst>
     <p:sldId id="256" r:id="rId2"/>
-    <p:sldId id="257" r:id="rId3"/>
-    <p:sldId id="258" r:id="rId4"/>
-    <p:sldId id="259" r:id="rId5"/>
+    <p:sldId id="262" r:id="rId3"/>
+    <p:sldId id="257" r:id="rId4"/>
+    <p:sldId id="261" r:id="rId5"/>
+    <p:sldId id="258" r:id="rId6"/>
+    <p:sldId id="260" r:id="rId7"/>
+    <p:sldId id="259" r:id="rId8"/>
   </p:sldIdLst>
   <p:sldSz cx="12192000" cy="6858000"/>
   <p:notesSz cx="6858000" cy="9144000"/>
@@ -107,6 +110,11 @@
       </a:defRPr>
     </a:lvl9pPr>
   </p:defaultTextStyle>
+  <p:extLst>
+    <p:ext uri="{EFAFB233-063F-42B5-8137-9DF3F51BA10A}">
+      <p15:sldGuideLst xmlns:p15="http://schemas.microsoft.com/office/powerpoint/2012/main"/>
+    </p:ext>
+  </p:extLst>
 </p:presentation>
 </file>
 
@@ -3415,7 +3423,7 @@
           <p:cNvPr id="2" name="Title 1">
             <a:extLst>
               <a:ext uri="{FF2B5EF4-FFF2-40B4-BE49-F238E27FC236}">
-                <a16:creationId xmlns:a16="http://schemas.microsoft.com/office/drawing/2014/main" id="{665920E7-961B-1765-2C1D-BC28E2FBA3BB}"/>
+                <a16:creationId xmlns:a16="http://schemas.microsoft.com/office/drawing/2014/main" id="{AEA9D3DA-A4BA-B2C6-5DC6-C231728C501B}"/>
               </a:ext>
             </a:extLst>
           </p:cNvPr>
@@ -3431,11 +3439,7 @@
           <a:bodyPr/>
           <a:lstStyle/>
           <a:p>
-            <a:r>
-              <a:rPr lang="en-GB" b="1" dirty="0"/>
-              <a:t>Problem &amp; Key Insights</a:t>
-            </a:r>
-            <a:endParaRPr lang="en-GB" dirty="0"/>
+            <a:endParaRPr lang="en-GB"/>
           </a:p>
         </p:txBody>
       </p:sp>
@@ -3444,7 +3448,7 @@
           <p:cNvPr id="3" name="Content Placeholder 2">
             <a:extLst>
               <a:ext uri="{FF2B5EF4-FFF2-40B4-BE49-F238E27FC236}">
-                <a16:creationId xmlns:a16="http://schemas.microsoft.com/office/drawing/2014/main" id="{AB709EC2-87C9-586E-EF38-D095A725FA06}"/>
+                <a16:creationId xmlns:a16="http://schemas.microsoft.com/office/drawing/2014/main" id="{C8FB665F-6638-DA8F-C1A7-B61B2864C5B3}"/>
               </a:ext>
             </a:extLst>
           </p:cNvPr>
@@ -3457,115 +3461,17 @@
         </p:nvSpPr>
         <p:spPr/>
         <p:txBody>
-          <a:bodyPr>
-            <a:normAutofit fontScale="92500" lnSpcReduction="10000"/>
-          </a:bodyPr>
-          <a:lstStyle/>
-          <a:p>
-            <a:pPr marL="0" indent="0">
-              <a:buNone/>
-            </a:pPr>
-            <a:r>
-              <a:rPr lang="en-GB" b="1" dirty="0"/>
-              <a:t>What’s the goal?</a:t>
-            </a:r>
-          </a:p>
-          <a:p>
-            <a:pPr>
-              <a:buFont typeface="Arial" panose="020B0604020202020204" pitchFamily="34" charset="0"/>
-              <a:buChar char="•"/>
-            </a:pPr>
-            <a:r>
-              <a:rPr lang="en-GB" dirty="0"/>
-              <a:t>Predict individuals at risk of depression based on lifestyle and socioeconomic factors.</a:t>
-            </a:r>
-          </a:p>
-          <a:p>
-            <a:pPr>
-              <a:buFont typeface="Arial" panose="020B0604020202020204" pitchFamily="34" charset="0"/>
-              <a:buChar char="•"/>
-            </a:pPr>
-            <a:r>
-              <a:rPr lang="en-GB" dirty="0"/>
-              <a:t>Focus on </a:t>
-            </a:r>
-            <a:r>
-              <a:rPr lang="en-GB" b="1" dirty="0"/>
-              <a:t>recall</a:t>
-            </a:r>
-            <a:r>
-              <a:rPr lang="en-GB" dirty="0"/>
-              <a:t> (catching as many at-risk individuals as possible), even at the cost of some accuracy.</a:t>
-            </a:r>
-          </a:p>
-          <a:p>
-            <a:pPr marL="0" indent="0">
-              <a:buNone/>
-            </a:pPr>
-            <a:r>
-              <a:rPr lang="en-GB" b="1" dirty="0"/>
-              <a:t>Key Findings from Data Analysis</a:t>
-            </a:r>
-          </a:p>
-          <a:p>
-            <a:pPr>
-              <a:buFont typeface="Arial" panose="020B0604020202020204" pitchFamily="34" charset="0"/>
-              <a:buChar char="•"/>
-            </a:pPr>
-            <a:r>
-              <a:rPr lang="en-GB" b="1" dirty="0"/>
-              <a:t>Employment status, income, and education</a:t>
-            </a:r>
-            <a:r>
-              <a:rPr lang="en-GB" dirty="0"/>
-              <a:t> were </a:t>
-            </a:r>
-            <a:r>
-              <a:rPr lang="en-GB" b="1" dirty="0"/>
-              <a:t>strong predictors</a:t>
-            </a:r>
-            <a:r>
-              <a:rPr lang="en-GB" dirty="0"/>
-              <a:t>.</a:t>
-            </a:r>
-          </a:p>
-          <a:p>
-            <a:pPr>
-              <a:buFont typeface="Arial" panose="020B0604020202020204" pitchFamily="34" charset="0"/>
-              <a:buChar char="•"/>
-            </a:pPr>
-            <a:r>
-              <a:rPr lang="en-GB" b="1" dirty="0"/>
-              <a:t>Employment &amp; income were correlated</a:t>
-            </a:r>
-            <a:r>
-              <a:rPr lang="en-GB" dirty="0"/>
-              <a:t> (higher income = more stable employment).</a:t>
-            </a:r>
-          </a:p>
-          <a:p>
-            <a:pPr>
-              <a:buFont typeface="Arial" panose="020B0604020202020204" pitchFamily="34" charset="0"/>
-              <a:buChar char="•"/>
-            </a:pPr>
-            <a:r>
-              <a:rPr lang="en-GB" b="1" dirty="0"/>
-              <a:t>Sedentary lifestyle &amp; unhealthy diet</a:t>
-            </a:r>
-            <a:r>
-              <a:rPr lang="en-GB" dirty="0"/>
-              <a:t> were also correlated but left as separate factors.</a:t>
-            </a:r>
-          </a:p>
-          <a:p>
-            <a:endParaRPr lang="en-GB" dirty="0"/>
+          <a:bodyPr/>
+          <a:lstStyle/>
+          <a:p>
+            <a:endParaRPr lang="en-GB"/>
           </a:p>
         </p:txBody>
       </p:sp>
     </p:spTree>
     <p:extLst>
       <p:ext uri="{BB962C8B-B14F-4D97-AF65-F5344CB8AC3E}">
-        <p14:creationId xmlns:p14="http://schemas.microsoft.com/office/powerpoint/2010/main" val="1803187232"/>
+        <p14:creationId xmlns:p14="http://schemas.microsoft.com/office/powerpoint/2010/main" val="1219593414"/>
       </p:ext>
     </p:extLst>
   </p:cSld>
@@ -3597,6 +3503,343 @@
           <p:cNvPr id="2" name="Title 1">
             <a:extLst>
               <a:ext uri="{FF2B5EF4-FFF2-40B4-BE49-F238E27FC236}">
+                <a16:creationId xmlns:a16="http://schemas.microsoft.com/office/drawing/2014/main" id="{665920E7-961B-1765-2C1D-BC28E2FBA3BB}"/>
+              </a:ext>
+            </a:extLst>
+          </p:cNvPr>
+          <p:cNvSpPr>
+            <a:spLocks noGrp="1"/>
+          </p:cNvSpPr>
+          <p:nvPr>
+            <p:ph type="title"/>
+          </p:nvPr>
+        </p:nvSpPr>
+        <p:spPr/>
+        <p:txBody>
+          <a:bodyPr/>
+          <a:lstStyle/>
+          <a:p>
+            <a:r>
+              <a:rPr lang="en-GB" b="1" dirty="0"/>
+              <a:t>Problem &amp; Key Insights</a:t>
+            </a:r>
+            <a:endParaRPr lang="en-GB" dirty="0"/>
+          </a:p>
+        </p:txBody>
+      </p:sp>
+      <p:sp>
+        <p:nvSpPr>
+          <p:cNvPr id="3" name="Content Placeholder 2">
+            <a:extLst>
+              <a:ext uri="{FF2B5EF4-FFF2-40B4-BE49-F238E27FC236}">
+                <a16:creationId xmlns:a16="http://schemas.microsoft.com/office/drawing/2014/main" id="{AB709EC2-87C9-586E-EF38-D095A725FA06}"/>
+              </a:ext>
+            </a:extLst>
+          </p:cNvPr>
+          <p:cNvSpPr>
+            <a:spLocks noGrp="1"/>
+          </p:cNvSpPr>
+          <p:nvPr>
+            <p:ph idx="1"/>
+          </p:nvPr>
+        </p:nvSpPr>
+        <p:spPr/>
+        <p:txBody>
+          <a:bodyPr>
+            <a:normAutofit/>
+          </a:bodyPr>
+          <a:lstStyle/>
+          <a:p>
+            <a:pPr marL="0" indent="0">
+              <a:buNone/>
+            </a:pPr>
+            <a:r>
+              <a:rPr lang="en-GB" b="1" dirty="0"/>
+              <a:t>What’s the goal?</a:t>
+            </a:r>
+          </a:p>
+          <a:p>
+            <a:pPr>
+              <a:buFont typeface="Arial" panose="020B0604020202020204" pitchFamily="34" charset="0"/>
+              <a:buChar char="•"/>
+            </a:pPr>
+            <a:r>
+              <a:rPr lang="en-GB" dirty="0"/>
+              <a:t>Predict individuals at risk of depression based on lifestyle and socioeconomic factors.</a:t>
+            </a:r>
+          </a:p>
+          <a:p>
+            <a:pPr>
+              <a:buFont typeface="Arial" panose="020B0604020202020204" pitchFamily="34" charset="0"/>
+              <a:buChar char="•"/>
+            </a:pPr>
+            <a:r>
+              <a:rPr lang="en-GB" dirty="0"/>
+              <a:t>Focus on </a:t>
+            </a:r>
+            <a:r>
+              <a:rPr lang="en-GB" b="1" dirty="0"/>
+              <a:t>recall</a:t>
+            </a:r>
+            <a:r>
+              <a:rPr lang="en-GB" dirty="0"/>
+              <a:t> (catching as many at-risk individuals as possible), even at the cost of some accuracy.</a:t>
+            </a:r>
+          </a:p>
+          <a:p>
+            <a:pPr>
+              <a:buFont typeface="Arial" panose="020B0604020202020204" pitchFamily="34" charset="0"/>
+              <a:buChar char="•"/>
+            </a:pPr>
+            <a:r>
+              <a:rPr lang="en-GB" dirty="0"/>
+              <a:t>Use feature engineering and hyper parameter tuning to try and improve the model results.</a:t>
+            </a:r>
+          </a:p>
+          <a:p>
+            <a:pPr>
+              <a:buFont typeface="Arial" panose="020B0604020202020204" pitchFamily="34" charset="0"/>
+              <a:buChar char="•"/>
+            </a:pPr>
+            <a:r>
+              <a:rPr lang="en-GB" dirty="0"/>
+              <a:t>Result were </a:t>
+            </a:r>
+          </a:p>
+          <a:p>
+            <a:endParaRPr lang="en-GB" dirty="0"/>
+          </a:p>
+        </p:txBody>
+      </p:sp>
+    </p:spTree>
+    <p:extLst>
+      <p:ext uri="{BB962C8B-B14F-4D97-AF65-F5344CB8AC3E}">
+        <p14:creationId xmlns:p14="http://schemas.microsoft.com/office/powerpoint/2010/main" val="1803187232"/>
+      </p:ext>
+    </p:extLst>
+  </p:cSld>
+  <p:clrMapOvr>
+    <a:masterClrMapping/>
+  </p:clrMapOvr>
+</p:sld>
+</file>
+
+<file path=ppt/slides/slide4.xml><?xml version="1.0" encoding="utf-8"?>
+<p:sld xmlns:a="http://schemas.openxmlformats.org/drawingml/2006/main" xmlns:r="http://schemas.openxmlformats.org/officeDocument/2006/relationships" xmlns:p="http://schemas.openxmlformats.org/presentationml/2006/main">
+  <p:cSld>
+    <p:spTree>
+      <p:nvGrpSpPr>
+        <p:cNvPr id="1" name=""/>
+        <p:cNvGrpSpPr/>
+        <p:nvPr/>
+      </p:nvGrpSpPr>
+      <p:grpSpPr>
+        <a:xfrm>
+          <a:off x="0" y="0"/>
+          <a:ext cx="0" cy="0"/>
+          <a:chOff x="0" y="0"/>
+          <a:chExt cx="0" cy="0"/>
+        </a:xfrm>
+      </p:grpSpPr>
+      <p:sp>
+        <p:nvSpPr>
+          <p:cNvPr id="2" name="Title 1">
+            <a:extLst>
+              <a:ext uri="{FF2B5EF4-FFF2-40B4-BE49-F238E27FC236}">
+                <a16:creationId xmlns:a16="http://schemas.microsoft.com/office/drawing/2014/main" id="{D1DBC28B-33ED-1444-ABE0-A07A54833D7C}"/>
+              </a:ext>
+            </a:extLst>
+          </p:cNvPr>
+          <p:cNvSpPr>
+            <a:spLocks noGrp="1"/>
+          </p:cNvSpPr>
+          <p:nvPr>
+            <p:ph type="title"/>
+          </p:nvPr>
+        </p:nvSpPr>
+        <p:spPr/>
+        <p:txBody>
+          <a:bodyPr/>
+          <a:lstStyle/>
+          <a:p>
+            <a:r>
+              <a:rPr lang="en-GB" b="1" dirty="0"/>
+              <a:t>Key Findings from Data Analysis</a:t>
+            </a:r>
+            <a:endParaRPr lang="en-GB" dirty="0"/>
+          </a:p>
+        </p:txBody>
+      </p:sp>
+      <p:sp>
+        <p:nvSpPr>
+          <p:cNvPr id="3" name="Content Placeholder 2">
+            <a:extLst>
+              <a:ext uri="{FF2B5EF4-FFF2-40B4-BE49-F238E27FC236}">
+                <a16:creationId xmlns:a16="http://schemas.microsoft.com/office/drawing/2014/main" id="{1DAD8EAB-8F0C-FFF4-BA19-F693030BB623}"/>
+              </a:ext>
+            </a:extLst>
+          </p:cNvPr>
+          <p:cNvSpPr>
+            <a:spLocks noGrp="1"/>
+          </p:cNvSpPr>
+          <p:nvPr>
+            <p:ph idx="1"/>
+          </p:nvPr>
+        </p:nvSpPr>
+        <p:spPr/>
+        <p:txBody>
+          <a:bodyPr/>
+          <a:lstStyle/>
+          <a:p>
+            <a:pPr>
+              <a:buFont typeface="Arial" panose="020B0604020202020204" pitchFamily="34" charset="0"/>
+              <a:buChar char="•"/>
+            </a:pPr>
+            <a:r>
+              <a:rPr lang="en-GB" b="1" dirty="0"/>
+              <a:t>Employment status, income, and education</a:t>
+            </a:r>
+            <a:r>
+              <a:rPr lang="en-GB" dirty="0"/>
+              <a:t> were </a:t>
+            </a:r>
+            <a:r>
+              <a:rPr lang="en-GB" b="1" dirty="0"/>
+              <a:t>strong predictors</a:t>
+            </a:r>
+            <a:r>
+              <a:rPr lang="en-GB" dirty="0"/>
+              <a:t>.</a:t>
+            </a:r>
+          </a:p>
+          <a:p>
+            <a:pPr>
+              <a:buFont typeface="Arial" panose="020B0604020202020204" pitchFamily="34" charset="0"/>
+              <a:buChar char="•"/>
+            </a:pPr>
+            <a:r>
+              <a:rPr lang="en-GB" b="1" dirty="0"/>
+              <a:t>Employment &amp; income were correlated</a:t>
+            </a:r>
+            <a:r>
+              <a:rPr lang="en-GB" dirty="0"/>
+              <a:t> (higher income = more stable employment).</a:t>
+            </a:r>
+          </a:p>
+          <a:p>
+            <a:pPr>
+              <a:buFont typeface="Arial" panose="020B0604020202020204" pitchFamily="34" charset="0"/>
+              <a:buChar char="•"/>
+            </a:pPr>
+            <a:r>
+              <a:rPr lang="en-GB" b="1" dirty="0"/>
+              <a:t>Sedentary lifestyle &amp; unhealthy diet</a:t>
+            </a:r>
+            <a:r>
+              <a:rPr lang="en-GB" dirty="0"/>
+              <a:t> were also correlated but left as separate factors.</a:t>
+            </a:r>
+          </a:p>
+          <a:p>
+            <a:endParaRPr lang="en-GB" dirty="0"/>
+          </a:p>
+        </p:txBody>
+      </p:sp>
+      <p:pic>
+        <p:nvPicPr>
+          <p:cNvPr id="4" name="Picture 3">
+            <a:extLst>
+              <a:ext uri="{FF2B5EF4-FFF2-40B4-BE49-F238E27FC236}">
+                <a16:creationId xmlns:a16="http://schemas.microsoft.com/office/drawing/2014/main" id="{59773C2A-3DF0-BC15-4036-63FA16955D21}"/>
+              </a:ext>
+            </a:extLst>
+          </p:cNvPr>
+          <p:cNvPicPr>
+            <a:picLocks noChangeAspect="1"/>
+          </p:cNvPicPr>
+          <p:nvPr/>
+        </p:nvPicPr>
+        <p:blipFill>
+          <a:blip r:embed="rId2"/>
+          <a:stretch>
+            <a:fillRect/>
+          </a:stretch>
+        </p:blipFill>
+        <p:spPr>
+          <a:xfrm>
+            <a:off x="5311865" y="521381"/>
+            <a:ext cx="6151330" cy="5655582"/>
+          </a:xfrm>
+          <a:prstGeom prst="rect">
+            <a:avLst/>
+          </a:prstGeom>
+        </p:spPr>
+      </p:pic>
+      <p:pic>
+        <p:nvPicPr>
+          <p:cNvPr id="5" name="Picture 4">
+            <a:extLst>
+              <a:ext uri="{FF2B5EF4-FFF2-40B4-BE49-F238E27FC236}">
+                <a16:creationId xmlns:a16="http://schemas.microsoft.com/office/drawing/2014/main" id="{D07F3FE2-B577-4016-73E1-86FF6A58BC36}"/>
+              </a:ext>
+            </a:extLst>
+          </p:cNvPr>
+          <p:cNvPicPr>
+            <a:picLocks noChangeAspect="1"/>
+          </p:cNvPicPr>
+          <p:nvPr/>
+        </p:nvPicPr>
+        <p:blipFill>
+          <a:blip r:embed="rId3"/>
+          <a:stretch>
+            <a:fillRect/>
+          </a:stretch>
+        </p:blipFill>
+        <p:spPr>
+          <a:xfrm>
+            <a:off x="2990850" y="1219200"/>
+            <a:ext cx="6210300" cy="4419600"/>
+          </a:xfrm>
+          <a:prstGeom prst="rect">
+            <a:avLst/>
+          </a:prstGeom>
+        </p:spPr>
+      </p:pic>
+    </p:spTree>
+    <p:extLst>
+      <p:ext uri="{BB962C8B-B14F-4D97-AF65-F5344CB8AC3E}">
+        <p14:creationId xmlns:p14="http://schemas.microsoft.com/office/powerpoint/2010/main" val="2314271196"/>
+      </p:ext>
+    </p:extLst>
+  </p:cSld>
+  <p:clrMapOvr>
+    <a:masterClrMapping/>
+  </p:clrMapOvr>
+</p:sld>
+</file>
+
+<file path=ppt/slides/slide5.xml><?xml version="1.0" encoding="utf-8"?>
+<p:sld xmlns:a="http://schemas.openxmlformats.org/drawingml/2006/main" xmlns:r="http://schemas.openxmlformats.org/officeDocument/2006/relationships" xmlns:p="http://schemas.openxmlformats.org/presentationml/2006/main">
+  <p:cSld>
+    <p:spTree>
+      <p:nvGrpSpPr>
+        <p:cNvPr id="1" name=""/>
+        <p:cNvGrpSpPr/>
+        <p:nvPr/>
+      </p:nvGrpSpPr>
+      <p:grpSpPr>
+        <a:xfrm>
+          <a:off x="0" y="0"/>
+          <a:ext cx="0" cy="0"/>
+          <a:chOff x="0" y="0"/>
+          <a:chExt cx="0" cy="0"/>
+        </a:xfrm>
+      </p:grpSpPr>
+      <p:sp>
+        <p:nvSpPr>
+          <p:cNvPr id="2" name="Title 1">
+            <a:extLst>
+              <a:ext uri="{FF2B5EF4-FFF2-40B4-BE49-F238E27FC236}">
                 <a16:creationId xmlns:a16="http://schemas.microsoft.com/office/drawing/2014/main" id="{A9C91239-A4C1-E52A-F2EF-7C953612A162}"/>
               </a:ext>
             </a:extLst>
@@ -3825,7 +4068,123 @@
 </p:sld>
 </file>
 
-<file path=ppt/slides/slide4.xml><?xml version="1.0" encoding="utf-8"?>
+<file path=ppt/slides/slide6.xml><?xml version="1.0" encoding="utf-8"?>
+<p:sld xmlns:a="http://schemas.openxmlformats.org/drawingml/2006/main" xmlns:r="http://schemas.openxmlformats.org/officeDocument/2006/relationships" xmlns:p="http://schemas.openxmlformats.org/presentationml/2006/main">
+  <p:cSld>
+    <p:spTree>
+      <p:nvGrpSpPr>
+        <p:cNvPr id="1" name=""/>
+        <p:cNvGrpSpPr/>
+        <p:nvPr/>
+      </p:nvGrpSpPr>
+      <p:grpSpPr>
+        <a:xfrm>
+          <a:off x="0" y="0"/>
+          <a:ext cx="0" cy="0"/>
+          <a:chOff x="0" y="0"/>
+          <a:chExt cx="0" cy="0"/>
+        </a:xfrm>
+      </p:grpSpPr>
+      <p:sp>
+        <p:nvSpPr>
+          <p:cNvPr id="2" name="Title 1">
+            <a:extLst>
+              <a:ext uri="{FF2B5EF4-FFF2-40B4-BE49-F238E27FC236}">
+                <a16:creationId xmlns:a16="http://schemas.microsoft.com/office/drawing/2014/main" id="{8D5E1DC0-7773-469C-D28C-8DF57FF00CBD}"/>
+              </a:ext>
+            </a:extLst>
+          </p:cNvPr>
+          <p:cNvSpPr>
+            <a:spLocks noGrp="1"/>
+          </p:cNvSpPr>
+          <p:nvPr>
+            <p:ph type="title"/>
+          </p:nvPr>
+        </p:nvSpPr>
+        <p:spPr/>
+        <p:txBody>
+          <a:bodyPr/>
+          <a:lstStyle/>
+          <a:p>
+            <a:r>
+              <a:rPr lang="en-GB" dirty="0"/>
+              <a:t>Modelling Results</a:t>
+            </a:r>
+          </a:p>
+        </p:txBody>
+      </p:sp>
+      <p:sp>
+        <p:nvSpPr>
+          <p:cNvPr id="3" name="Content Placeholder 2">
+            <a:extLst>
+              <a:ext uri="{FF2B5EF4-FFF2-40B4-BE49-F238E27FC236}">
+                <a16:creationId xmlns:a16="http://schemas.microsoft.com/office/drawing/2014/main" id="{C0A29C6B-1985-74A5-E03D-52AD66F53651}"/>
+              </a:ext>
+            </a:extLst>
+          </p:cNvPr>
+          <p:cNvSpPr>
+            <a:spLocks noGrp="1"/>
+          </p:cNvSpPr>
+          <p:nvPr>
+            <p:ph idx="1"/>
+          </p:nvPr>
+        </p:nvSpPr>
+        <p:spPr/>
+        <p:txBody>
+          <a:bodyPr/>
+          <a:lstStyle/>
+          <a:p>
+            <a:r>
+              <a:rPr lang="en-GB" dirty="0"/>
+              <a:t>The final model </a:t>
+            </a:r>
+          </a:p>
+        </p:txBody>
+      </p:sp>
+      <p:pic>
+        <p:nvPicPr>
+          <p:cNvPr id="4" name="Picture 3">
+            <a:extLst>
+              <a:ext uri="{FF2B5EF4-FFF2-40B4-BE49-F238E27FC236}">
+                <a16:creationId xmlns:a16="http://schemas.microsoft.com/office/drawing/2014/main" id="{D0E12F55-357D-AAD9-7892-A85C8F00B85B}"/>
+              </a:ext>
+            </a:extLst>
+          </p:cNvPr>
+          <p:cNvPicPr>
+            <a:picLocks noChangeAspect="1"/>
+          </p:cNvPicPr>
+          <p:nvPr/>
+        </p:nvPicPr>
+        <p:blipFill>
+          <a:blip r:embed="rId2"/>
+          <a:stretch>
+            <a:fillRect/>
+          </a:stretch>
+        </p:blipFill>
+        <p:spPr>
+          <a:xfrm>
+            <a:off x="6297711" y="1414463"/>
+            <a:ext cx="7027763" cy="4890112"/>
+          </a:xfrm>
+          <a:prstGeom prst="rect">
+            <a:avLst/>
+          </a:prstGeom>
+        </p:spPr>
+      </p:pic>
+    </p:spTree>
+    <p:extLst>
+      <p:ext uri="{BB962C8B-B14F-4D97-AF65-F5344CB8AC3E}">
+        <p14:creationId xmlns:p14="http://schemas.microsoft.com/office/powerpoint/2010/main" val="1089490548"/>
+      </p:ext>
+    </p:extLst>
+  </p:cSld>
+  <p:clrMapOvr>
+    <a:masterClrMapping/>
+  </p:clrMapOvr>
+</p:sld>
+</file>
+
+<file path=ppt/slides/slide7.xml><?xml version="1.0" encoding="utf-8"?>
 <p:sld xmlns:a="http://schemas.openxmlformats.org/drawingml/2006/main" xmlns:r="http://schemas.openxmlformats.org/officeDocument/2006/relationships" xmlns:p="http://schemas.openxmlformats.org/presentationml/2006/main">
   <p:cSld>
     <p:spTree>
